--- a/3. Final/Document/4. Use Case Diagram.pptx
+++ b/3. Final/Document/4. Use Case Diagram.pptx
@@ -259,7 +259,7 @@
           <a:p>
             <a:fld id="{C2550C05-AE03-4051-8915-4679D7E35E6D}" type="datetimeFigureOut">
               <a:rPr lang="ko-KR" altLang="en-US" smtClean="0"/>
-              <a:t>2021-10-05</a:t>
+              <a:t>2021-10-07</a:t>
             </a:fld>
             <a:endParaRPr lang="ko-KR" altLang="en-US"/>
           </a:p>
@@ -457,7 +457,7 @@
           <a:p>
             <a:fld id="{C2550C05-AE03-4051-8915-4679D7E35E6D}" type="datetimeFigureOut">
               <a:rPr lang="ko-KR" altLang="en-US" smtClean="0"/>
-              <a:t>2021-10-05</a:t>
+              <a:t>2021-10-07</a:t>
             </a:fld>
             <a:endParaRPr lang="ko-KR" altLang="en-US"/>
           </a:p>
@@ -665,7 +665,7 @@
           <a:p>
             <a:fld id="{C2550C05-AE03-4051-8915-4679D7E35E6D}" type="datetimeFigureOut">
               <a:rPr lang="ko-KR" altLang="en-US" smtClean="0"/>
-              <a:t>2021-10-05</a:t>
+              <a:t>2021-10-07</a:t>
             </a:fld>
             <a:endParaRPr lang="ko-KR" altLang="en-US"/>
           </a:p>
@@ -863,7 +863,7 @@
           <a:p>
             <a:fld id="{C2550C05-AE03-4051-8915-4679D7E35E6D}" type="datetimeFigureOut">
               <a:rPr lang="ko-KR" altLang="en-US" smtClean="0"/>
-              <a:t>2021-10-05</a:t>
+              <a:t>2021-10-07</a:t>
             </a:fld>
             <a:endParaRPr lang="ko-KR" altLang="en-US"/>
           </a:p>
@@ -1138,7 +1138,7 @@
           <a:p>
             <a:fld id="{C2550C05-AE03-4051-8915-4679D7E35E6D}" type="datetimeFigureOut">
               <a:rPr lang="ko-KR" altLang="en-US" smtClean="0"/>
-              <a:t>2021-10-05</a:t>
+              <a:t>2021-10-07</a:t>
             </a:fld>
             <a:endParaRPr lang="ko-KR" altLang="en-US"/>
           </a:p>
@@ -1403,7 +1403,7 @@
           <a:p>
             <a:fld id="{C2550C05-AE03-4051-8915-4679D7E35E6D}" type="datetimeFigureOut">
               <a:rPr lang="ko-KR" altLang="en-US" smtClean="0"/>
-              <a:t>2021-10-05</a:t>
+              <a:t>2021-10-07</a:t>
             </a:fld>
             <a:endParaRPr lang="ko-KR" altLang="en-US"/>
           </a:p>
@@ -1815,7 +1815,7 @@
           <a:p>
             <a:fld id="{C2550C05-AE03-4051-8915-4679D7E35E6D}" type="datetimeFigureOut">
               <a:rPr lang="ko-KR" altLang="en-US" smtClean="0"/>
-              <a:t>2021-10-05</a:t>
+              <a:t>2021-10-07</a:t>
             </a:fld>
             <a:endParaRPr lang="ko-KR" altLang="en-US"/>
           </a:p>
@@ -1956,7 +1956,7 @@
           <a:p>
             <a:fld id="{C2550C05-AE03-4051-8915-4679D7E35E6D}" type="datetimeFigureOut">
               <a:rPr lang="ko-KR" altLang="en-US" smtClean="0"/>
-              <a:t>2021-10-05</a:t>
+              <a:t>2021-10-07</a:t>
             </a:fld>
             <a:endParaRPr lang="ko-KR" altLang="en-US"/>
           </a:p>
@@ -2069,7 +2069,7 @@
           <a:p>
             <a:fld id="{C2550C05-AE03-4051-8915-4679D7E35E6D}" type="datetimeFigureOut">
               <a:rPr lang="ko-KR" altLang="en-US" smtClean="0"/>
-              <a:t>2021-10-05</a:t>
+              <a:t>2021-10-07</a:t>
             </a:fld>
             <a:endParaRPr lang="ko-KR" altLang="en-US"/>
           </a:p>
@@ -2380,7 +2380,7 @@
           <a:p>
             <a:fld id="{C2550C05-AE03-4051-8915-4679D7E35E6D}" type="datetimeFigureOut">
               <a:rPr lang="ko-KR" altLang="en-US" smtClean="0"/>
-              <a:t>2021-10-05</a:t>
+              <a:t>2021-10-07</a:t>
             </a:fld>
             <a:endParaRPr lang="ko-KR" altLang="en-US"/>
           </a:p>
@@ -2668,7 +2668,7 @@
           <a:p>
             <a:fld id="{C2550C05-AE03-4051-8915-4679D7E35E6D}" type="datetimeFigureOut">
               <a:rPr lang="ko-KR" altLang="en-US" smtClean="0"/>
-              <a:t>2021-10-05</a:t>
+              <a:t>2021-10-07</a:t>
             </a:fld>
             <a:endParaRPr lang="ko-KR" altLang="en-US"/>
           </a:p>
@@ -2909,7 +2909,7 @@
           <a:p>
             <a:fld id="{C2550C05-AE03-4051-8915-4679D7E35E6D}" type="datetimeFigureOut">
               <a:rPr lang="ko-KR" altLang="en-US" smtClean="0"/>
-              <a:t>2021-10-05</a:t>
+              <a:t>2021-10-07</a:t>
             </a:fld>
             <a:endParaRPr lang="ko-KR" altLang="en-US"/>
           </a:p>
@@ -4709,6 +4709,16 @@
             <a:p>
               <a:pPr algn="ctr"/>
               <a:r>
+                <a:rPr lang="ko-KR" altLang="en-US" sz="1200">
+                  <a:solidFill>
+                    <a:schemeClr val="tx1"/>
+                  </a:solidFill>
+                  <a:latin typeface="나눔고딕 ExtraBold" panose="020D0904000000000000" pitchFamily="50" charset="-127"/>
+                  <a:ea typeface="나눔고딕 ExtraBold" panose="020D0904000000000000" pitchFamily="50" charset="-127"/>
+                </a:rPr>
+                <a:t>감성점수 </a:t>
+              </a:r>
+              <a:r>
                 <a:rPr lang="ko-KR" altLang="en-US" sz="1200" dirty="0">
                   <a:solidFill>
                     <a:schemeClr val="tx1"/>
@@ -4716,7 +4726,7 @@
                   <a:latin typeface="나눔고딕 ExtraBold" panose="020D0904000000000000" pitchFamily="50" charset="-127"/>
                   <a:ea typeface="나눔고딕 ExtraBold" panose="020D0904000000000000" pitchFamily="50" charset="-127"/>
                 </a:rPr>
-                <a:t>감성 점수 확인</a:t>
+                <a:t>확인</a:t>
               </a:r>
             </a:p>
           </p:txBody>
@@ -4968,7 +4978,7 @@
                   <a:latin typeface="나눔고딕 ExtraBold" panose="020D0904000000000000" pitchFamily="50" charset="-127"/>
                   <a:ea typeface="나눔고딕 ExtraBold" panose="020D0904000000000000" pitchFamily="50" charset="-127"/>
                 </a:rPr>
-                <a:t>감성 점수 확인</a:t>
+                <a:t>감성점수 확인</a:t>
               </a:r>
             </a:p>
           </p:txBody>
